--- a/M2/Skill/3-Git and Unity/3-Git en Unity.pptx
+++ b/M2/Skill/3-Git and Unity/3-Git en Unity.pptx
@@ -13,7 +13,13 @@
     <p:sldId id="263" r:id="rId7"/>
     <p:sldId id="264" r:id="rId8"/>
     <p:sldId id="265" r:id="rId9"/>
-    <p:sldId id="266" r:id="rId10"/>
+    <p:sldId id="268" r:id="rId10"/>
+    <p:sldId id="269" r:id="rId11"/>
+    <p:sldId id="266" r:id="rId12"/>
+    <p:sldId id="267" r:id="rId13"/>
+    <p:sldId id="270" r:id="rId14"/>
+    <p:sldId id="271" r:id="rId15"/>
+    <p:sldId id="272" r:id="rId16"/>
   </p:sldIdLst>
   <p:sldSz cx="12192000" cy="6858000"/>
   <p:notesSz cx="6858000" cy="9144000"/>
@@ -112,6 +118,11 @@
       </a:defRPr>
     </a:lvl9pPr>
   </p:defaultTextStyle>
+  <p:extLst>
+    <p:ext uri="{EFAFB233-063F-42B5-8137-9DF3F51BA10A}">
+      <p15:sldGuideLst xmlns:p15="http://schemas.microsoft.com/office/powerpoint/2012/main"/>
+    </p:ext>
+  </p:extLst>
 </p:presentation>
 </file>
 
@@ -3416,6 +3427,1043 @@
 </p:sld>
 </file>
 
+<file path=ppt/slides/slide10.xml><?xml version="1.0" encoding="utf-8"?>
+<p:sld xmlns:a="http://schemas.openxmlformats.org/drawingml/2006/main" xmlns:r="http://schemas.openxmlformats.org/officeDocument/2006/relationships" xmlns:p="http://schemas.openxmlformats.org/presentationml/2006/main">
+  <p:cSld>
+    <p:spTree>
+      <p:nvGrpSpPr>
+        <p:cNvPr id="1" name="">
+          <a:extLst>
+            <a:ext uri="{FF2B5EF4-FFF2-40B4-BE49-F238E27FC236}">
+              <a16:creationId xmlns:a16="http://schemas.microsoft.com/office/drawing/2014/main" id="{F42504F0-29D5-B84B-3572-6380D8CD4EC0}"/>
+            </a:ext>
+          </a:extLst>
+        </p:cNvPr>
+        <p:cNvGrpSpPr/>
+        <p:nvPr/>
+      </p:nvGrpSpPr>
+      <p:grpSpPr>
+        <a:xfrm>
+          <a:off x="0" y="0"/>
+          <a:ext cx="0" cy="0"/>
+          <a:chOff x="0" y="0"/>
+          <a:chExt cx="0" cy="0"/>
+        </a:xfrm>
+      </p:grpSpPr>
+      <p:sp>
+        <p:nvSpPr>
+          <p:cNvPr id="2" name="Titel 1">
+            <a:extLst>
+              <a:ext uri="{FF2B5EF4-FFF2-40B4-BE49-F238E27FC236}">
+                <a16:creationId xmlns:a16="http://schemas.microsoft.com/office/drawing/2014/main" id="{F57383A0-66E7-EDEA-06D7-F74735E1A8D5}"/>
+              </a:ext>
+            </a:extLst>
+          </p:cNvPr>
+          <p:cNvSpPr>
+            <a:spLocks noGrp="1"/>
+          </p:cNvSpPr>
+          <p:nvPr>
+            <p:ph type="title"/>
+          </p:nvPr>
+        </p:nvSpPr>
+        <p:spPr/>
+        <p:txBody>
+          <a:bodyPr/>
+          <a:lstStyle/>
+          <a:p>
+            <a:r>
+              <a:rPr lang="en-US" dirty="0"/>
+              <a:t>Lead dev </a:t>
+            </a:r>
+            <a:r>
+              <a:rPr lang="en-US" dirty="0" err="1"/>
+              <a:t>vervolg</a:t>
+            </a:r>
+            <a:endParaRPr lang="nl-NL" dirty="0"/>
+          </a:p>
+        </p:txBody>
+      </p:sp>
+      <p:sp>
+        <p:nvSpPr>
+          <p:cNvPr id="3" name="Tijdelijke aanduiding voor inhoud 2">
+            <a:extLst>
+              <a:ext uri="{FF2B5EF4-FFF2-40B4-BE49-F238E27FC236}">
+                <a16:creationId xmlns:a16="http://schemas.microsoft.com/office/drawing/2014/main" id="{7BA1F879-56E9-003B-2B22-E50FE7E4D2B8}"/>
+              </a:ext>
+            </a:extLst>
+          </p:cNvPr>
+          <p:cNvSpPr>
+            <a:spLocks noGrp="1"/>
+          </p:cNvSpPr>
+          <p:nvPr>
+            <p:ph idx="1"/>
+          </p:nvPr>
+        </p:nvSpPr>
+        <p:spPr/>
+        <p:txBody>
+          <a:bodyPr/>
+          <a:lstStyle/>
+          <a:p>
+            <a:pPr marL="0" indent="0">
+              <a:buNone/>
+            </a:pPr>
+            <a:r>
+              <a:rPr lang="en-US" dirty="0"/>
+              <a:t>Als het </a:t>
+            </a:r>
+            <a:r>
+              <a:rPr lang="en-US" dirty="0" err="1"/>
+              <a:t>goed</a:t>
+            </a:r>
+            <a:r>
+              <a:rPr lang="en-US" dirty="0"/>
+              <a:t> is, </a:t>
+            </a:r>
+            <a:r>
+              <a:rPr lang="en-US" dirty="0" err="1"/>
+              <a:t>zie</a:t>
+            </a:r>
+            <a:r>
+              <a:rPr lang="en-US" dirty="0"/>
+              <a:t> je nu de Models van de </a:t>
+            </a:r>
+            <a:r>
+              <a:rPr lang="en-US" dirty="0" err="1"/>
+              <a:t>MiniMarkt</a:t>
+            </a:r>
+            <a:r>
+              <a:rPr lang="en-US" dirty="0"/>
+              <a:t> in Unity</a:t>
+            </a:r>
+            <a:endParaRPr lang="nl-NL" dirty="0"/>
+          </a:p>
+        </p:txBody>
+      </p:sp>
+      <p:pic>
+        <p:nvPicPr>
+          <p:cNvPr id="6" name="Afbeelding 5">
+            <a:extLst>
+              <a:ext uri="{FF2B5EF4-FFF2-40B4-BE49-F238E27FC236}">
+                <a16:creationId xmlns:a16="http://schemas.microsoft.com/office/drawing/2014/main" id="{CB3DD37D-87F6-9044-4F41-38450FD954A5}"/>
+              </a:ext>
+            </a:extLst>
+          </p:cNvPr>
+          <p:cNvPicPr>
+            <a:picLocks noChangeAspect="1"/>
+          </p:cNvPicPr>
+          <p:nvPr/>
+        </p:nvPicPr>
+        <p:blipFill>
+          <a:blip r:embed="rId2"/>
+          <a:stretch>
+            <a:fillRect/>
+          </a:stretch>
+        </p:blipFill>
+        <p:spPr>
+          <a:xfrm>
+            <a:off x="557048" y="2574110"/>
+            <a:ext cx="10206946" cy="2354334"/>
+          </a:xfrm>
+          <a:prstGeom prst="rect">
+            <a:avLst/>
+          </a:prstGeom>
+        </p:spPr>
+      </p:pic>
+    </p:spTree>
+    <p:extLst>
+      <p:ext uri="{BB962C8B-B14F-4D97-AF65-F5344CB8AC3E}">
+        <p14:creationId xmlns:p14="http://schemas.microsoft.com/office/powerpoint/2010/main" val="1273056245"/>
+      </p:ext>
+    </p:extLst>
+  </p:cSld>
+  <p:clrMapOvr>
+    <a:masterClrMapping/>
+  </p:clrMapOvr>
+</p:sld>
+</file>
+
+<file path=ppt/slides/slide11.xml><?xml version="1.0" encoding="utf-8"?>
+<p:sld xmlns:a="http://schemas.openxmlformats.org/drawingml/2006/main" xmlns:r="http://schemas.openxmlformats.org/officeDocument/2006/relationships" xmlns:p="http://schemas.openxmlformats.org/presentationml/2006/main">
+  <p:cSld>
+    <p:spTree>
+      <p:nvGrpSpPr>
+        <p:cNvPr id="1" name="">
+          <a:extLst>
+            <a:ext uri="{FF2B5EF4-FFF2-40B4-BE49-F238E27FC236}">
+              <a16:creationId xmlns:a16="http://schemas.microsoft.com/office/drawing/2014/main" id="{9FA02B92-2D0B-02EE-1FD9-DD55950258E8}"/>
+            </a:ext>
+          </a:extLst>
+        </p:cNvPr>
+        <p:cNvGrpSpPr/>
+        <p:nvPr/>
+      </p:nvGrpSpPr>
+      <p:grpSpPr>
+        <a:xfrm>
+          <a:off x="0" y="0"/>
+          <a:ext cx="0" cy="0"/>
+          <a:chOff x="0" y="0"/>
+          <a:chExt cx="0" cy="0"/>
+        </a:xfrm>
+      </p:grpSpPr>
+      <p:sp>
+        <p:nvSpPr>
+          <p:cNvPr id="2" name="Titel 1">
+            <a:extLst>
+              <a:ext uri="{FF2B5EF4-FFF2-40B4-BE49-F238E27FC236}">
+                <a16:creationId xmlns:a16="http://schemas.microsoft.com/office/drawing/2014/main" id="{EBD23EAE-7383-EB58-50A6-2C15E78A6022}"/>
+              </a:ext>
+            </a:extLst>
+          </p:cNvPr>
+          <p:cNvSpPr>
+            <a:spLocks noGrp="1"/>
+          </p:cNvSpPr>
+          <p:nvPr>
+            <p:ph type="title"/>
+          </p:nvPr>
+        </p:nvSpPr>
+        <p:spPr/>
+        <p:txBody>
+          <a:bodyPr/>
+          <a:lstStyle/>
+          <a:p>
+            <a:r>
+              <a:rPr lang="en-US" dirty="0"/>
+              <a:t>Lead dev </a:t>
+            </a:r>
+            <a:r>
+              <a:rPr lang="en-US" dirty="0" err="1"/>
+              <a:t>vervolg</a:t>
+            </a:r>
+            <a:endParaRPr lang="nl-NL" dirty="0"/>
+          </a:p>
+        </p:txBody>
+      </p:sp>
+      <p:sp>
+        <p:nvSpPr>
+          <p:cNvPr id="3" name="Tijdelijke aanduiding voor inhoud 2">
+            <a:extLst>
+              <a:ext uri="{FF2B5EF4-FFF2-40B4-BE49-F238E27FC236}">
+                <a16:creationId xmlns:a16="http://schemas.microsoft.com/office/drawing/2014/main" id="{A4E9FB38-B852-CF40-2719-BB04622A1D54}"/>
+              </a:ext>
+            </a:extLst>
+          </p:cNvPr>
+          <p:cNvSpPr>
+            <a:spLocks noGrp="1"/>
+          </p:cNvSpPr>
+          <p:nvPr>
+            <p:ph idx="1"/>
+          </p:nvPr>
+        </p:nvSpPr>
+        <p:spPr/>
+        <p:txBody>
+          <a:bodyPr/>
+          <a:lstStyle/>
+          <a:p>
+            <a:r>
+              <a:rPr lang="en-US" dirty="0"/>
+              <a:t>Open Git Desktop </a:t>
+            </a:r>
+            <a:r>
+              <a:rPr lang="en-US" dirty="0" err="1"/>
+              <a:t>en</a:t>
+            </a:r>
+            <a:r>
+              <a:rPr lang="en-US" dirty="0"/>
+              <a:t> add </a:t>
+            </a:r>
+            <a:r>
+              <a:rPr lang="en-US" dirty="0" err="1"/>
+              <a:t>deze</a:t>
+            </a:r>
+            <a:r>
+              <a:rPr lang="en-US" dirty="0"/>
+              <a:t> </a:t>
+            </a:r>
+            <a:r>
+              <a:rPr lang="en-US" dirty="0" err="1"/>
+              <a:t>lokale</a:t>
+            </a:r>
+            <a:r>
+              <a:rPr lang="en-US" dirty="0"/>
+              <a:t> repository</a:t>
+            </a:r>
+          </a:p>
+          <a:p>
+            <a:r>
+              <a:rPr lang="en-US" dirty="0" err="1"/>
+              <a:t>Publiceer</a:t>
+            </a:r>
+            <a:r>
+              <a:rPr lang="en-US" dirty="0"/>
+              <a:t> </a:t>
+            </a:r>
+            <a:r>
+              <a:rPr lang="en-US" dirty="0" err="1"/>
+              <a:t>deze</a:t>
+            </a:r>
+            <a:r>
+              <a:rPr lang="en-US" dirty="0"/>
+              <a:t> repository op Git Hub</a:t>
+            </a:r>
+          </a:p>
+          <a:p>
+            <a:r>
+              <a:rPr lang="en-US" dirty="0" err="1"/>
+              <a:t>Voeg</a:t>
+            </a:r>
+            <a:r>
+              <a:rPr lang="en-US" dirty="0"/>
+              <a:t> de </a:t>
+            </a:r>
+            <a:r>
+              <a:rPr lang="en-US" dirty="0" err="1"/>
+              <a:t>teamleden</a:t>
+            </a:r>
+            <a:r>
+              <a:rPr lang="en-US" dirty="0"/>
+              <a:t> </a:t>
+            </a:r>
+            <a:r>
+              <a:rPr lang="en-US" dirty="0" err="1"/>
+              <a:t>als</a:t>
+            </a:r>
+            <a:r>
+              <a:rPr lang="en-US" dirty="0"/>
+              <a:t> </a:t>
+            </a:r>
+            <a:r>
+              <a:rPr lang="en-US"/>
+              <a:t>collaborators toe</a:t>
+            </a:r>
+            <a:endParaRPr lang="en-US" dirty="0"/>
+          </a:p>
+          <a:p>
+            <a:endParaRPr lang="nl-NL" dirty="0"/>
+          </a:p>
+        </p:txBody>
+      </p:sp>
+    </p:spTree>
+    <p:extLst>
+      <p:ext uri="{BB962C8B-B14F-4D97-AF65-F5344CB8AC3E}">
+        <p14:creationId xmlns:p14="http://schemas.microsoft.com/office/powerpoint/2010/main" val="2555554815"/>
+      </p:ext>
+    </p:extLst>
+  </p:cSld>
+  <p:clrMapOvr>
+    <a:masterClrMapping/>
+  </p:clrMapOvr>
+</p:sld>
+</file>
+
+<file path=ppt/slides/slide12.xml><?xml version="1.0" encoding="utf-8"?>
+<p:sld xmlns:a="http://schemas.openxmlformats.org/drawingml/2006/main" xmlns:r="http://schemas.openxmlformats.org/officeDocument/2006/relationships" xmlns:p="http://schemas.openxmlformats.org/presentationml/2006/main">
+  <p:cSld>
+    <p:spTree>
+      <p:nvGrpSpPr>
+        <p:cNvPr id="1" name=""/>
+        <p:cNvGrpSpPr/>
+        <p:nvPr/>
+      </p:nvGrpSpPr>
+      <p:grpSpPr>
+        <a:xfrm>
+          <a:off x="0" y="0"/>
+          <a:ext cx="0" cy="0"/>
+          <a:chOff x="0" y="0"/>
+          <a:chExt cx="0" cy="0"/>
+        </a:xfrm>
+      </p:grpSpPr>
+      <p:sp>
+        <p:nvSpPr>
+          <p:cNvPr id="2" name="Titel 1">
+            <a:extLst>
+              <a:ext uri="{FF2B5EF4-FFF2-40B4-BE49-F238E27FC236}">
+                <a16:creationId xmlns:a16="http://schemas.microsoft.com/office/drawing/2014/main" id="{53EE22F7-301A-1603-4638-B5CB4E3E7905}"/>
+              </a:ext>
+            </a:extLst>
+          </p:cNvPr>
+          <p:cNvSpPr>
+            <a:spLocks noGrp="1"/>
+          </p:cNvSpPr>
+          <p:nvPr>
+            <p:ph type="title"/>
+          </p:nvPr>
+        </p:nvSpPr>
+        <p:spPr/>
+        <p:txBody>
+          <a:bodyPr/>
+          <a:lstStyle/>
+          <a:p>
+            <a:r>
+              <a:rPr lang="en-US" dirty="0"/>
+              <a:t>Alle </a:t>
+            </a:r>
+            <a:r>
+              <a:rPr lang="en-US" dirty="0" err="1"/>
+              <a:t>teamleden</a:t>
+            </a:r>
+            <a:endParaRPr lang="nl-NL" dirty="0"/>
+          </a:p>
+        </p:txBody>
+      </p:sp>
+      <p:sp>
+        <p:nvSpPr>
+          <p:cNvPr id="3" name="Tijdelijke aanduiding voor inhoud 2">
+            <a:extLst>
+              <a:ext uri="{FF2B5EF4-FFF2-40B4-BE49-F238E27FC236}">
+                <a16:creationId xmlns:a16="http://schemas.microsoft.com/office/drawing/2014/main" id="{14946F2F-1703-FB33-4B5A-DCA7B86B9EA4}"/>
+              </a:ext>
+            </a:extLst>
+          </p:cNvPr>
+          <p:cNvSpPr>
+            <a:spLocks noGrp="1"/>
+          </p:cNvSpPr>
+          <p:nvPr>
+            <p:ph idx="1"/>
+          </p:nvPr>
+        </p:nvSpPr>
+        <p:spPr/>
+        <p:txBody>
+          <a:bodyPr/>
+          <a:lstStyle/>
+          <a:p>
+            <a:r>
+              <a:rPr lang="en-US" dirty="0"/>
+              <a:t>Download </a:t>
+            </a:r>
+            <a:r>
+              <a:rPr lang="en-US" dirty="0" err="1"/>
+              <a:t>ook</a:t>
+            </a:r>
+            <a:r>
+              <a:rPr lang="en-US" dirty="0"/>
+              <a:t> Git Desktop</a:t>
+            </a:r>
+          </a:p>
+          <a:p>
+            <a:r>
+              <a:rPr lang="en-US" dirty="0" err="1"/>
+              <a:t>Voeg</a:t>
+            </a:r>
+            <a:r>
+              <a:rPr lang="en-US" dirty="0"/>
+              <a:t> de remote repository toe </a:t>
+            </a:r>
+            <a:r>
+              <a:rPr lang="en-US" dirty="0" err="1"/>
+              <a:t>en</a:t>
+            </a:r>
+            <a:r>
+              <a:rPr lang="en-US" dirty="0"/>
+              <a:t> pull </a:t>
+            </a:r>
+            <a:r>
+              <a:rPr lang="en-US" dirty="0" err="1"/>
+              <a:t>deze</a:t>
+            </a:r>
+            <a:r>
+              <a:rPr lang="en-US" dirty="0"/>
+              <a:t> </a:t>
+            </a:r>
+            <a:r>
+              <a:rPr lang="en-US" dirty="0" err="1"/>
+              <a:t>naar</a:t>
+            </a:r>
+            <a:r>
+              <a:rPr lang="en-US" dirty="0"/>
+              <a:t> </a:t>
+            </a:r>
+            <a:r>
+              <a:rPr lang="en-US" dirty="0" err="1"/>
+              <a:t>jouw</a:t>
+            </a:r>
+            <a:r>
+              <a:rPr lang="en-US" dirty="0"/>
+              <a:t> computer</a:t>
+            </a:r>
+          </a:p>
+          <a:p>
+            <a:r>
+              <a:rPr lang="en-US" dirty="0"/>
+              <a:t>Open </a:t>
+            </a:r>
+            <a:r>
+              <a:rPr lang="en-US" dirty="0" err="1"/>
+              <a:t>en</a:t>
+            </a:r>
+            <a:r>
+              <a:rPr lang="en-US" dirty="0"/>
+              <a:t> checkout </a:t>
+            </a:r>
+            <a:r>
+              <a:rPr lang="en-US" dirty="0" err="1"/>
+              <a:t>een</a:t>
+            </a:r>
+            <a:r>
+              <a:rPr lang="en-US" dirty="0"/>
+              <a:t> </a:t>
+            </a:r>
+            <a:r>
+              <a:rPr lang="en-US" dirty="0" err="1"/>
+              <a:t>nieuwe</a:t>
+            </a:r>
+            <a:r>
+              <a:rPr lang="en-US" dirty="0"/>
+              <a:t> branch</a:t>
+            </a:r>
+          </a:p>
+        </p:txBody>
+      </p:sp>
+    </p:spTree>
+    <p:extLst>
+      <p:ext uri="{BB962C8B-B14F-4D97-AF65-F5344CB8AC3E}">
+        <p14:creationId xmlns:p14="http://schemas.microsoft.com/office/powerpoint/2010/main" val="697588135"/>
+      </p:ext>
+    </p:extLst>
+  </p:cSld>
+  <p:clrMapOvr>
+    <a:masterClrMapping/>
+  </p:clrMapOvr>
+</p:sld>
+</file>
+
+<file path=ppt/slides/slide13.xml><?xml version="1.0" encoding="utf-8"?>
+<p:sld xmlns:a="http://schemas.openxmlformats.org/drawingml/2006/main" xmlns:r="http://schemas.openxmlformats.org/officeDocument/2006/relationships" xmlns:p="http://schemas.openxmlformats.org/presentationml/2006/main">
+  <p:cSld>
+    <p:spTree>
+      <p:nvGrpSpPr>
+        <p:cNvPr id="1" name=""/>
+        <p:cNvGrpSpPr/>
+        <p:nvPr/>
+      </p:nvGrpSpPr>
+      <p:grpSpPr>
+        <a:xfrm>
+          <a:off x="0" y="0"/>
+          <a:ext cx="0" cy="0"/>
+          <a:chOff x="0" y="0"/>
+          <a:chExt cx="0" cy="0"/>
+        </a:xfrm>
+      </p:grpSpPr>
+      <p:sp>
+        <p:nvSpPr>
+          <p:cNvPr id="2" name="Titel 1">
+            <a:extLst>
+              <a:ext uri="{FF2B5EF4-FFF2-40B4-BE49-F238E27FC236}">
+                <a16:creationId xmlns:a16="http://schemas.microsoft.com/office/drawing/2014/main" id="{1211BE3B-04CB-5F9A-A166-CFAE9069D28F}"/>
+              </a:ext>
+            </a:extLst>
+          </p:cNvPr>
+          <p:cNvSpPr>
+            <a:spLocks noGrp="1"/>
+          </p:cNvSpPr>
+          <p:nvPr>
+            <p:ph type="title"/>
+          </p:nvPr>
+        </p:nvSpPr>
+        <p:spPr/>
+        <p:txBody>
+          <a:bodyPr/>
+          <a:lstStyle/>
+          <a:p>
+            <a:r>
+              <a:rPr lang="en-US" dirty="0"/>
+              <a:t>Alle </a:t>
+            </a:r>
+            <a:r>
+              <a:rPr lang="en-US" dirty="0" err="1"/>
+              <a:t>Teamleden</a:t>
+            </a:r>
+            <a:endParaRPr lang="nl-NL" dirty="0"/>
+          </a:p>
+        </p:txBody>
+      </p:sp>
+      <p:sp>
+        <p:nvSpPr>
+          <p:cNvPr id="3" name="Tijdelijke aanduiding voor inhoud 2">
+            <a:extLst>
+              <a:ext uri="{FF2B5EF4-FFF2-40B4-BE49-F238E27FC236}">
+                <a16:creationId xmlns:a16="http://schemas.microsoft.com/office/drawing/2014/main" id="{37FB190F-933F-9080-437C-78FC18CF82DD}"/>
+              </a:ext>
+            </a:extLst>
+          </p:cNvPr>
+          <p:cNvSpPr>
+            <a:spLocks noGrp="1"/>
+          </p:cNvSpPr>
+          <p:nvPr>
+            <p:ph idx="1"/>
+          </p:nvPr>
+        </p:nvSpPr>
+        <p:spPr>
+          <a:xfrm>
+            <a:off x="838200" y="1825625"/>
+            <a:ext cx="10515600" cy="1456055"/>
+          </a:xfrm>
+        </p:spPr>
+        <p:txBody>
+          <a:bodyPr>
+            <a:normAutofit fontScale="85000" lnSpcReduction="20000"/>
+          </a:bodyPr>
+          <a:lstStyle/>
+          <a:p>
+            <a:r>
+              <a:rPr lang="en-US" dirty="0" err="1"/>
+              <a:t>Voeg</a:t>
+            </a:r>
+            <a:r>
+              <a:rPr lang="en-US" dirty="0"/>
+              <a:t> het project toe </a:t>
+            </a:r>
+            <a:r>
+              <a:rPr lang="en-US" dirty="0" err="1"/>
+              <a:t>aan</a:t>
+            </a:r>
+            <a:r>
+              <a:rPr lang="en-US" dirty="0"/>
+              <a:t> </a:t>
+            </a:r>
+            <a:r>
+              <a:rPr lang="en-US" dirty="0" err="1"/>
+              <a:t>jouw</a:t>
+            </a:r>
+            <a:r>
+              <a:rPr lang="en-US" dirty="0"/>
+              <a:t> Unity Hub</a:t>
+            </a:r>
+          </a:p>
+          <a:p>
+            <a:r>
+              <a:rPr lang="en-US" dirty="0"/>
+              <a:t>Open het project </a:t>
+            </a:r>
+          </a:p>
+          <a:p>
+            <a:r>
+              <a:rPr lang="en-US" dirty="0" err="1"/>
+              <a:t>Voeg</a:t>
+            </a:r>
+            <a:r>
+              <a:rPr lang="en-US" dirty="0"/>
+              <a:t> </a:t>
+            </a:r>
+            <a:r>
+              <a:rPr lang="en-US" dirty="0" err="1"/>
+              <a:t>een</a:t>
+            </a:r>
+            <a:r>
+              <a:rPr lang="en-US" dirty="0"/>
+              <a:t> (supermarket) model </a:t>
+            </a:r>
+            <a:r>
+              <a:rPr lang="en-US" dirty="0" err="1"/>
+              <a:t>uit</a:t>
+            </a:r>
+            <a:r>
+              <a:rPr lang="en-US" dirty="0"/>
+              <a:t> de Assets toe </a:t>
+            </a:r>
+            <a:r>
+              <a:rPr lang="en-US" dirty="0" err="1"/>
+              <a:t>en</a:t>
+            </a:r>
+            <a:r>
+              <a:rPr lang="en-US" dirty="0"/>
+              <a:t> </a:t>
+            </a:r>
+            <a:r>
+              <a:rPr lang="en-US" dirty="0" err="1"/>
+              <a:t>plaats</a:t>
+            </a:r>
+            <a:r>
+              <a:rPr lang="en-US" dirty="0"/>
+              <a:t> </a:t>
+            </a:r>
+            <a:r>
+              <a:rPr lang="en-US" dirty="0" err="1"/>
+              <a:t>deze</a:t>
+            </a:r>
+            <a:r>
+              <a:rPr lang="en-US" dirty="0"/>
+              <a:t> op de Hierarchy (je mag </a:t>
+            </a:r>
+            <a:r>
+              <a:rPr lang="en-US" dirty="0" err="1"/>
+              <a:t>zelf</a:t>
+            </a:r>
+            <a:r>
+              <a:rPr lang="en-US" dirty="0"/>
+              <a:t> </a:t>
+            </a:r>
+            <a:r>
+              <a:rPr lang="en-US" dirty="0" err="1"/>
+              <a:t>weten</a:t>
+            </a:r>
+            <a:r>
+              <a:rPr lang="en-US" dirty="0"/>
+              <a:t> wat </a:t>
+            </a:r>
+            <a:r>
+              <a:rPr lang="en-US" dirty="0" err="1"/>
+              <a:t>en</a:t>
+            </a:r>
+            <a:r>
+              <a:rPr lang="en-US" dirty="0"/>
+              <a:t> </a:t>
+            </a:r>
+            <a:r>
+              <a:rPr lang="en-US" dirty="0" err="1"/>
+              <a:t>waar</a:t>
+            </a:r>
+            <a:r>
+              <a:rPr lang="en-US" dirty="0"/>
+              <a:t>)</a:t>
+            </a:r>
+          </a:p>
+          <a:p>
+            <a:pPr marL="0" indent="0">
+              <a:buNone/>
+            </a:pPr>
+            <a:endParaRPr lang="nl-NL" dirty="0"/>
+          </a:p>
+        </p:txBody>
+      </p:sp>
+      <p:pic>
+        <p:nvPicPr>
+          <p:cNvPr id="5" name="Afbeelding 4">
+            <a:extLst>
+              <a:ext uri="{FF2B5EF4-FFF2-40B4-BE49-F238E27FC236}">
+                <a16:creationId xmlns:a16="http://schemas.microsoft.com/office/drawing/2014/main" id="{C620E602-2121-63FB-7C52-FBF90FDC728C}"/>
+              </a:ext>
+            </a:extLst>
+          </p:cNvPr>
+          <p:cNvPicPr>
+            <a:picLocks noChangeAspect="1"/>
+          </p:cNvPicPr>
+          <p:nvPr/>
+        </p:nvPicPr>
+        <p:blipFill>
+          <a:blip r:embed="rId2"/>
+          <a:stretch>
+            <a:fillRect/>
+          </a:stretch>
+        </p:blipFill>
+        <p:spPr>
+          <a:xfrm>
+            <a:off x="1097688" y="3667759"/>
+            <a:ext cx="5408475" cy="2932067"/>
+          </a:xfrm>
+          <a:prstGeom prst="rect">
+            <a:avLst/>
+          </a:prstGeom>
+        </p:spPr>
+      </p:pic>
+    </p:spTree>
+    <p:extLst>
+      <p:ext uri="{BB962C8B-B14F-4D97-AF65-F5344CB8AC3E}">
+        <p14:creationId xmlns:p14="http://schemas.microsoft.com/office/powerpoint/2010/main" val="3113888000"/>
+      </p:ext>
+    </p:extLst>
+  </p:cSld>
+  <p:clrMapOvr>
+    <a:masterClrMapping/>
+  </p:clrMapOvr>
+</p:sld>
+</file>
+
+<file path=ppt/slides/slide14.xml><?xml version="1.0" encoding="utf-8"?>
+<p:sld xmlns:a="http://schemas.openxmlformats.org/drawingml/2006/main" xmlns:r="http://schemas.openxmlformats.org/officeDocument/2006/relationships" xmlns:p="http://schemas.openxmlformats.org/presentationml/2006/main">
+  <p:cSld>
+    <p:spTree>
+      <p:nvGrpSpPr>
+        <p:cNvPr id="1" name="">
+          <a:extLst>
+            <a:ext uri="{FF2B5EF4-FFF2-40B4-BE49-F238E27FC236}">
+              <a16:creationId xmlns:a16="http://schemas.microsoft.com/office/drawing/2014/main" id="{CF55E33D-DED4-2CED-5955-2608331A0B7C}"/>
+            </a:ext>
+          </a:extLst>
+        </p:cNvPr>
+        <p:cNvGrpSpPr/>
+        <p:nvPr/>
+      </p:nvGrpSpPr>
+      <p:grpSpPr>
+        <a:xfrm>
+          <a:off x="0" y="0"/>
+          <a:ext cx="0" cy="0"/>
+          <a:chOff x="0" y="0"/>
+          <a:chExt cx="0" cy="0"/>
+        </a:xfrm>
+      </p:grpSpPr>
+      <p:sp>
+        <p:nvSpPr>
+          <p:cNvPr id="2" name="Titel 1">
+            <a:extLst>
+              <a:ext uri="{FF2B5EF4-FFF2-40B4-BE49-F238E27FC236}">
+                <a16:creationId xmlns:a16="http://schemas.microsoft.com/office/drawing/2014/main" id="{16172DA1-FE0B-D566-DD67-E205D436633D}"/>
+              </a:ext>
+            </a:extLst>
+          </p:cNvPr>
+          <p:cNvSpPr>
+            <a:spLocks noGrp="1"/>
+          </p:cNvSpPr>
+          <p:nvPr>
+            <p:ph type="title"/>
+          </p:nvPr>
+        </p:nvSpPr>
+        <p:spPr/>
+        <p:txBody>
+          <a:bodyPr/>
+          <a:lstStyle/>
+          <a:p>
+            <a:r>
+              <a:rPr lang="en-US" dirty="0"/>
+              <a:t>Alle </a:t>
+            </a:r>
+            <a:r>
+              <a:rPr lang="en-US" dirty="0" err="1"/>
+              <a:t>Teamleden</a:t>
+            </a:r>
+            <a:endParaRPr lang="nl-NL" dirty="0"/>
+          </a:p>
+        </p:txBody>
+      </p:sp>
+      <p:sp>
+        <p:nvSpPr>
+          <p:cNvPr id="3" name="Tijdelijke aanduiding voor inhoud 2">
+            <a:extLst>
+              <a:ext uri="{FF2B5EF4-FFF2-40B4-BE49-F238E27FC236}">
+                <a16:creationId xmlns:a16="http://schemas.microsoft.com/office/drawing/2014/main" id="{DDF68BE9-F070-9391-761D-219B30F9CEE4}"/>
+              </a:ext>
+            </a:extLst>
+          </p:cNvPr>
+          <p:cNvSpPr>
+            <a:spLocks noGrp="1"/>
+          </p:cNvSpPr>
+          <p:nvPr>
+            <p:ph idx="1"/>
+          </p:nvPr>
+        </p:nvSpPr>
+        <p:spPr>
+          <a:xfrm>
+            <a:off x="838200" y="1825625"/>
+            <a:ext cx="10515600" cy="2685415"/>
+          </a:xfrm>
+        </p:spPr>
+        <p:txBody>
+          <a:bodyPr/>
+          <a:lstStyle/>
+          <a:p>
+            <a:r>
+              <a:rPr lang="en-US" dirty="0"/>
+              <a:t>Save </a:t>
+            </a:r>
+            <a:r>
+              <a:rPr lang="en-US" dirty="0" err="1"/>
+              <a:t>jouw</a:t>
+            </a:r>
+            <a:r>
+              <a:rPr lang="en-US" dirty="0"/>
+              <a:t> Scene</a:t>
+            </a:r>
+          </a:p>
+          <a:p>
+            <a:r>
+              <a:rPr lang="en-US" dirty="0"/>
+              <a:t>Update </a:t>
+            </a:r>
+            <a:r>
+              <a:rPr lang="en-US" dirty="0" err="1"/>
+              <a:t>jouw</a:t>
+            </a:r>
+            <a:r>
+              <a:rPr lang="en-US" dirty="0"/>
+              <a:t> repository</a:t>
+            </a:r>
+          </a:p>
+          <a:p>
+            <a:endParaRPr lang="en-US" dirty="0"/>
+          </a:p>
+          <a:p>
+            <a:pPr marL="0" indent="0">
+              <a:buNone/>
+            </a:pPr>
+            <a:endParaRPr lang="nl-NL" dirty="0"/>
+          </a:p>
+        </p:txBody>
+      </p:sp>
+    </p:spTree>
+    <p:extLst>
+      <p:ext uri="{BB962C8B-B14F-4D97-AF65-F5344CB8AC3E}">
+        <p14:creationId xmlns:p14="http://schemas.microsoft.com/office/powerpoint/2010/main" val="56287306"/>
+      </p:ext>
+    </p:extLst>
+  </p:cSld>
+  <p:clrMapOvr>
+    <a:masterClrMapping/>
+  </p:clrMapOvr>
+</p:sld>
+</file>
+
+<file path=ppt/slides/slide15.xml><?xml version="1.0" encoding="utf-8"?>
+<p:sld xmlns:a="http://schemas.openxmlformats.org/drawingml/2006/main" xmlns:r="http://schemas.openxmlformats.org/officeDocument/2006/relationships" xmlns:p="http://schemas.openxmlformats.org/presentationml/2006/main">
+  <p:cSld>
+    <p:spTree>
+      <p:nvGrpSpPr>
+        <p:cNvPr id="1" name=""/>
+        <p:cNvGrpSpPr/>
+        <p:nvPr/>
+      </p:nvGrpSpPr>
+      <p:grpSpPr>
+        <a:xfrm>
+          <a:off x="0" y="0"/>
+          <a:ext cx="0" cy="0"/>
+          <a:chOff x="0" y="0"/>
+          <a:chExt cx="0" cy="0"/>
+        </a:xfrm>
+      </p:grpSpPr>
+      <p:sp>
+        <p:nvSpPr>
+          <p:cNvPr id="2" name="Titel 1">
+            <a:extLst>
+              <a:ext uri="{FF2B5EF4-FFF2-40B4-BE49-F238E27FC236}">
+                <a16:creationId xmlns:a16="http://schemas.microsoft.com/office/drawing/2014/main" id="{D4481E69-18DB-D8F4-6F49-D378252FF394}"/>
+              </a:ext>
+            </a:extLst>
+          </p:cNvPr>
+          <p:cNvSpPr>
+            <a:spLocks noGrp="1"/>
+          </p:cNvSpPr>
+          <p:nvPr>
+            <p:ph type="title"/>
+          </p:nvPr>
+        </p:nvSpPr>
+        <p:spPr/>
+        <p:txBody>
+          <a:bodyPr/>
+          <a:lstStyle/>
+          <a:p>
+            <a:r>
+              <a:rPr lang="en-US" dirty="0"/>
+              <a:t>Lead developer </a:t>
+            </a:r>
+            <a:r>
+              <a:rPr lang="en-US" dirty="0" err="1"/>
+              <a:t>en</a:t>
+            </a:r>
+            <a:r>
+              <a:rPr lang="en-US" dirty="0"/>
+              <a:t> alle </a:t>
+            </a:r>
+            <a:r>
+              <a:rPr lang="en-US" dirty="0" err="1"/>
+              <a:t>leden</a:t>
+            </a:r>
+            <a:endParaRPr lang="nl-NL" dirty="0"/>
+          </a:p>
+        </p:txBody>
+      </p:sp>
+      <p:sp>
+        <p:nvSpPr>
+          <p:cNvPr id="3" name="Tijdelijke aanduiding voor inhoud 2">
+            <a:extLst>
+              <a:ext uri="{FF2B5EF4-FFF2-40B4-BE49-F238E27FC236}">
+                <a16:creationId xmlns:a16="http://schemas.microsoft.com/office/drawing/2014/main" id="{D68B188B-F32B-F5A1-B30E-E04205E37216}"/>
+              </a:ext>
+            </a:extLst>
+          </p:cNvPr>
+          <p:cNvSpPr>
+            <a:spLocks noGrp="1"/>
+          </p:cNvSpPr>
+          <p:nvPr>
+            <p:ph idx="1"/>
+          </p:nvPr>
+        </p:nvSpPr>
+        <p:spPr/>
+        <p:txBody>
+          <a:bodyPr/>
+          <a:lstStyle/>
+          <a:p>
+            <a:r>
+              <a:rPr lang="en-US" dirty="0"/>
+              <a:t>Pull alle branches op de computer van de lead developer</a:t>
+            </a:r>
+          </a:p>
+          <a:p>
+            <a:r>
+              <a:rPr lang="en-US" dirty="0"/>
+              <a:t>Merge alle branches </a:t>
+            </a:r>
+            <a:r>
+              <a:rPr lang="en-US" dirty="0" err="1"/>
+              <a:t>naar</a:t>
+            </a:r>
+            <a:r>
+              <a:rPr lang="en-US" dirty="0"/>
+              <a:t> de branch main</a:t>
+            </a:r>
+          </a:p>
+          <a:p>
+            <a:r>
+              <a:rPr lang="en-US" dirty="0"/>
+              <a:t>Maak </a:t>
+            </a:r>
+            <a:r>
+              <a:rPr lang="en-US" dirty="0" err="1"/>
+              <a:t>een</a:t>
+            </a:r>
+            <a:r>
+              <a:rPr lang="en-US" dirty="0"/>
+              <a:t> screenshot van het </a:t>
+            </a:r>
+            <a:r>
+              <a:rPr lang="en-US" dirty="0" err="1"/>
+              <a:t>eindproduct</a:t>
+            </a:r>
+            <a:endParaRPr lang="en-US" dirty="0"/>
+          </a:p>
+          <a:p>
+            <a:r>
+              <a:rPr lang="en-US" dirty="0"/>
+              <a:t>Save het </a:t>
+            </a:r>
+            <a:r>
+              <a:rPr lang="en-US" dirty="0" err="1"/>
+              <a:t>eindproduct</a:t>
+            </a:r>
+            <a:r>
+              <a:rPr lang="en-US" dirty="0"/>
+              <a:t> </a:t>
+            </a:r>
+            <a:r>
+              <a:rPr lang="en-US" dirty="0" err="1"/>
+              <a:t>en</a:t>
+            </a:r>
+            <a:r>
+              <a:rPr lang="en-US" dirty="0"/>
+              <a:t> push het </a:t>
+            </a:r>
+            <a:r>
+              <a:rPr lang="en-US" dirty="0" err="1"/>
+              <a:t>naar</a:t>
+            </a:r>
+            <a:r>
+              <a:rPr lang="en-US" dirty="0"/>
+              <a:t> GitHub </a:t>
+            </a:r>
+            <a:endParaRPr lang="nl-NL" dirty="0"/>
+          </a:p>
+        </p:txBody>
+      </p:sp>
+    </p:spTree>
+    <p:extLst>
+      <p:ext uri="{BB962C8B-B14F-4D97-AF65-F5344CB8AC3E}">
+        <p14:creationId xmlns:p14="http://schemas.microsoft.com/office/powerpoint/2010/main" val="208823477"/>
+      </p:ext>
+    </p:extLst>
+  </p:cSld>
+  <p:clrMapOvr>
+    <a:masterClrMapping/>
+  </p:clrMapOvr>
+</p:sld>
+</file>
+
 <file path=ppt/slides/slide2.xml><?xml version="1.0" encoding="utf-8"?>
 <p:sld xmlns:a="http://schemas.openxmlformats.org/drawingml/2006/main" xmlns:r="http://schemas.openxmlformats.org/officeDocument/2006/relationships" xmlns:p="http://schemas.openxmlformats.org/presentationml/2006/main">
   <p:cSld>
@@ -4407,104 +5455,8 @@
             </a:r>
             <a:r>
               <a:rPr lang="en-US" dirty="0"/>
-              <a:t> </a:t>
-            </a:r>
-            <a:r>
-              <a:rPr lang="en-US" dirty="0">
-                <a:hlinkClick r:id="rId2"/>
-              </a:rPr>
-              <a:t>https://www.gitignore.io/</a:t>
-            </a:r>
-            <a:endParaRPr lang="en-US" dirty="0"/>
-          </a:p>
-          <a:p>
-            <a:r>
-              <a:rPr lang="en-US" dirty="0"/>
-              <a:t>Pak de </a:t>
-            </a:r>
-            <a:r>
-              <a:rPr lang="en-US" dirty="0" err="1"/>
-              <a:t>MiniMarketModels-bestand</a:t>
-            </a:r>
-            <a:r>
-              <a:rPr lang="en-US" dirty="0"/>
-              <a:t> </a:t>
-            </a:r>
-            <a:r>
-              <a:rPr lang="en-US" dirty="0" err="1"/>
-              <a:t>uit</a:t>
-            </a:r>
-            <a:r>
-              <a:rPr lang="en-US" dirty="0"/>
-              <a:t> </a:t>
-            </a:r>
-            <a:r>
-              <a:rPr lang="en-US" dirty="0" err="1"/>
-              <a:t>te</a:t>
-            </a:r>
-            <a:r>
-              <a:rPr lang="en-US" dirty="0"/>
-              <a:t> </a:t>
-            </a:r>
-            <a:r>
-              <a:rPr lang="en-US" dirty="0" err="1"/>
-              <a:t>plaats</a:t>
-            </a:r>
-            <a:r>
-              <a:rPr lang="en-US" dirty="0"/>
-              <a:t> de map FBX format in de map Assets</a:t>
-            </a:r>
-          </a:p>
-          <a:p>
-            <a:r>
-              <a:rPr lang="en-US" dirty="0"/>
-              <a:t>Open Git Desktop </a:t>
-            </a:r>
-            <a:r>
-              <a:rPr lang="en-US" dirty="0" err="1"/>
-              <a:t>en</a:t>
-            </a:r>
-            <a:r>
-              <a:rPr lang="en-US" dirty="0"/>
-              <a:t> add </a:t>
-            </a:r>
-            <a:r>
-              <a:rPr lang="en-US" dirty="0" err="1"/>
-              <a:t>deze</a:t>
-            </a:r>
-            <a:r>
-              <a:rPr lang="en-US" dirty="0"/>
-              <a:t> </a:t>
-            </a:r>
-            <a:r>
-              <a:rPr lang="en-US" dirty="0" err="1"/>
-              <a:t>lokale</a:t>
-            </a:r>
-            <a:r>
-              <a:rPr lang="en-US" dirty="0"/>
-              <a:t> repository</a:t>
-            </a:r>
-          </a:p>
-          <a:p>
-            <a:r>
-              <a:rPr lang="en-US" dirty="0" err="1"/>
-              <a:t>Publiceer</a:t>
-            </a:r>
-            <a:r>
-              <a:rPr lang="en-US" dirty="0"/>
-              <a:t> </a:t>
-            </a:r>
-            <a:r>
-              <a:rPr lang="en-US" dirty="0" err="1"/>
-              <a:t>deze</a:t>
-            </a:r>
-            <a:r>
-              <a:rPr lang="en-US" dirty="0"/>
-              <a:t> </a:t>
-            </a:r>
-          </a:p>
-          <a:p>
-            <a:endParaRPr lang="nl-NL" dirty="0"/>
+              <a:t> https://www.gitignore.io/</a:t>
+            </a:r>
           </a:p>
         </p:txBody>
       </p:sp>
@@ -4529,7 +5481,7 @@
         <p:cNvPr id="1" name="">
           <a:extLst>
             <a:ext uri="{FF2B5EF4-FFF2-40B4-BE49-F238E27FC236}">
-              <a16:creationId xmlns:a16="http://schemas.microsoft.com/office/drawing/2014/main" id="{9FA02B92-2D0B-02EE-1FD9-DD55950258E8}"/>
+              <a16:creationId xmlns:a16="http://schemas.microsoft.com/office/drawing/2014/main" id="{177FE96E-61E7-123C-ABB0-9AB151C327F2}"/>
             </a:ext>
           </a:extLst>
         </p:cNvPr>
@@ -4549,7 +5501,7 @@
           <p:cNvPr id="2" name="Titel 1">
             <a:extLst>
               <a:ext uri="{FF2B5EF4-FFF2-40B4-BE49-F238E27FC236}">
-                <a16:creationId xmlns:a16="http://schemas.microsoft.com/office/drawing/2014/main" id="{EBD23EAE-7383-EB58-50A6-2C15E78A6022}"/>
+                <a16:creationId xmlns:a16="http://schemas.microsoft.com/office/drawing/2014/main" id="{E62F0B91-AF0D-5ECA-DB45-28BC81025B93}"/>
               </a:ext>
             </a:extLst>
           </p:cNvPr>
@@ -4582,7 +5534,7 @@
           <p:cNvPr id="3" name="Tijdelijke aanduiding voor inhoud 2">
             <a:extLst>
               <a:ext uri="{FF2B5EF4-FFF2-40B4-BE49-F238E27FC236}">
-                <a16:creationId xmlns:a16="http://schemas.microsoft.com/office/drawing/2014/main" id="{A4E9FB38-B852-CF40-2719-BB04622A1D54}"/>
+                <a16:creationId xmlns:a16="http://schemas.microsoft.com/office/drawing/2014/main" id="{F20057CA-315E-3E89-498D-66DAE034F556}"/>
               </a:ext>
             </a:extLst>
           </p:cNvPr>
@@ -4600,19 +5552,11 @@
           <a:p>
             <a:r>
               <a:rPr lang="en-US" dirty="0"/>
-              <a:t>Open Git Desktop </a:t>
-            </a:r>
-            <a:r>
-              <a:rPr lang="en-US" dirty="0" err="1"/>
-              <a:t>en</a:t>
-            </a:r>
-            <a:r>
-              <a:rPr lang="en-US" dirty="0"/>
-              <a:t> add </a:t>
-            </a:r>
-            <a:r>
-              <a:rPr lang="en-US" dirty="0" err="1"/>
-              <a:t>deze</a:t>
+              <a:t>Pak de </a:t>
+            </a:r>
+            <a:r>
+              <a:rPr lang="en-US" dirty="0" err="1"/>
+              <a:t>MiniMarketModels-bestand</a:t>
             </a:r>
             <a:r>
               <a:rPr lang="en-US" dirty="0"/>
@@ -4620,17 +5564,7 @@
             </a:r>
             <a:r>
               <a:rPr lang="en-US" dirty="0" err="1"/>
-              <a:t>lokale</a:t>
-            </a:r>
-            <a:r>
-              <a:rPr lang="en-US" dirty="0"/>
-              <a:t> repository</a:t>
-            </a:r>
-          </a:p>
-          <a:p>
-            <a:r>
-              <a:rPr lang="en-US" dirty="0" err="1"/>
-              <a:t>Publiceer</a:t>
+              <a:t>uit</a:t>
             </a:r>
             <a:r>
               <a:rPr lang="en-US" dirty="0"/>
@@ -4638,25 +5572,7 @@
             </a:r>
             <a:r>
               <a:rPr lang="en-US" dirty="0" err="1"/>
-              <a:t>deze</a:t>
-            </a:r>
-            <a:r>
-              <a:rPr lang="en-US" dirty="0"/>
-              <a:t> repository op Git Hub</a:t>
-            </a:r>
-          </a:p>
-          <a:p>
-            <a:r>
-              <a:rPr lang="en-US" dirty="0" err="1"/>
-              <a:t>Voeg</a:t>
-            </a:r>
-            <a:r>
-              <a:rPr lang="en-US" dirty="0"/>
-              <a:t> de </a:t>
-            </a:r>
-            <a:r>
-              <a:rPr lang="en-US" dirty="0" err="1"/>
-              <a:t>teamleden</a:t>
+              <a:t>te</a:t>
             </a:r>
             <a:r>
               <a:rPr lang="en-US" dirty="0"/>
@@ -4664,27 +5580,101 @@
             </a:r>
             <a:r>
               <a:rPr lang="en-US" dirty="0" err="1"/>
-              <a:t>als</a:t>
-            </a:r>
-            <a:r>
-              <a:rPr lang="en-US" dirty="0"/>
-              <a:t> </a:t>
-            </a:r>
-            <a:r>
-              <a:rPr lang="en-US"/>
-              <a:t>collaborators toe</a:t>
-            </a:r>
-            <a:endParaRPr lang="en-US" dirty="0"/>
-          </a:p>
-          <a:p>
+              <a:t>plaats</a:t>
+            </a:r>
+            <a:r>
+              <a:rPr lang="en-US" dirty="0"/>
+              <a:t> de map FBX format in de map Assets</a:t>
+            </a:r>
+          </a:p>
+          <a:p>
+            <a:pPr marL="0" indent="0">
+              <a:buNone/>
+            </a:pPr>
             <a:endParaRPr lang="nl-NL" dirty="0"/>
+          </a:p>
+        </p:txBody>
+      </p:sp>
+      <p:pic>
+        <p:nvPicPr>
+          <p:cNvPr id="5" name="Afbeelding 4">
+            <a:extLst>
+              <a:ext uri="{FF2B5EF4-FFF2-40B4-BE49-F238E27FC236}">
+                <a16:creationId xmlns:a16="http://schemas.microsoft.com/office/drawing/2014/main" id="{3BA60B5A-784E-83D0-169E-A31FE206E691}"/>
+              </a:ext>
+            </a:extLst>
+          </p:cNvPr>
+          <p:cNvPicPr>
+            <a:picLocks noChangeAspect="1"/>
+          </p:cNvPicPr>
+          <p:nvPr/>
+        </p:nvPicPr>
+        <p:blipFill>
+          <a:blip r:embed="rId2"/>
+          <a:stretch>
+            <a:fillRect/>
+          </a:stretch>
+        </p:blipFill>
+        <p:spPr>
+          <a:xfrm>
+            <a:off x="838200" y="2870200"/>
+            <a:ext cx="6398590" cy="3063875"/>
+          </a:xfrm>
+          <a:prstGeom prst="rect">
+            <a:avLst/>
+          </a:prstGeom>
+        </p:spPr>
+      </p:pic>
+      <p:sp>
+        <p:nvSpPr>
+          <p:cNvPr id="6" name="Pijl: rechts 5">
+            <a:extLst>
+              <a:ext uri="{FF2B5EF4-FFF2-40B4-BE49-F238E27FC236}">
+                <a16:creationId xmlns:a16="http://schemas.microsoft.com/office/drawing/2014/main" id="{E661DFB9-7926-4FE7-822B-942691CC3905}"/>
+              </a:ext>
+            </a:extLst>
+          </p:cNvPr>
+          <p:cNvSpPr/>
+          <p:nvPr/>
+        </p:nvSpPr>
+        <p:spPr>
+          <a:xfrm rot="10800000">
+            <a:off x="1558455" y="2946400"/>
+            <a:ext cx="2479040" cy="680720"/>
+          </a:xfrm>
+          <a:prstGeom prst="rightArrow">
+            <a:avLst/>
+          </a:prstGeom>
+        </p:spPr>
+        <p:style>
+          <a:lnRef idx="2">
+            <a:schemeClr val="accent1">
+              <a:shade val="15000"/>
+            </a:schemeClr>
+          </a:lnRef>
+          <a:fillRef idx="1">
+            <a:schemeClr val="accent1"/>
+          </a:fillRef>
+          <a:effectRef idx="0">
+            <a:schemeClr val="accent1"/>
+          </a:effectRef>
+          <a:fontRef idx="minor">
+            <a:schemeClr val="lt1"/>
+          </a:fontRef>
+        </p:style>
+        <p:txBody>
+          <a:bodyPr rtlCol="0" anchor="ctr"/>
+          <a:lstStyle/>
+          <a:p>
+            <a:pPr algn="ctr"/>
+            <a:endParaRPr lang="nl-NL"/>
           </a:p>
         </p:txBody>
       </p:sp>
     </p:spTree>
     <p:extLst>
       <p:ext uri="{BB962C8B-B14F-4D97-AF65-F5344CB8AC3E}">
-        <p14:creationId xmlns:p14="http://schemas.microsoft.com/office/powerpoint/2010/main" val="2555554815"/>
+        <p14:creationId xmlns:p14="http://schemas.microsoft.com/office/powerpoint/2010/main" val="2015232199"/>
       </p:ext>
     </p:extLst>
   </p:cSld>

--- a/M2/Skill/3-Git and Unity/3-Git en Unity.pptx
+++ b/M2/Skill/3-Git and Unity/3-Git en Unity.pptx
@@ -273,7 +273,7 @@
           <a:p>
             <a:fld id="{545DE63F-B6A1-4286-98E5-30D0A12D3C8D}" type="datetimeFigureOut">
               <a:rPr lang="nl-NL" smtClean="0"/>
-              <a:t>2-12-2024</a:t>
+              <a:t>03-12-2024</a:t>
             </a:fld>
             <a:endParaRPr lang="nl-NL"/>
           </a:p>
@@ -327,7 +327,7 @@
           <a:p>
             <a:fld id="{D108F25D-CB0B-4DCB-B2CB-040B5AFE7CE3}" type="slidenum">
               <a:rPr lang="nl-NL" smtClean="0"/>
-              <a:t>‹nr.›</a:t>
+              <a:t>‹#›</a:t>
             </a:fld>
             <a:endParaRPr lang="nl-NL"/>
           </a:p>
@@ -471,7 +471,7 @@
           <a:p>
             <a:fld id="{545DE63F-B6A1-4286-98E5-30D0A12D3C8D}" type="datetimeFigureOut">
               <a:rPr lang="nl-NL" smtClean="0"/>
-              <a:t>2-12-2024</a:t>
+              <a:t>03-12-2024</a:t>
             </a:fld>
             <a:endParaRPr lang="nl-NL"/>
           </a:p>
@@ -525,7 +525,7 @@
           <a:p>
             <a:fld id="{D108F25D-CB0B-4DCB-B2CB-040B5AFE7CE3}" type="slidenum">
               <a:rPr lang="nl-NL" smtClean="0"/>
-              <a:t>‹nr.›</a:t>
+              <a:t>‹#›</a:t>
             </a:fld>
             <a:endParaRPr lang="nl-NL"/>
           </a:p>
@@ -679,7 +679,7 @@
           <a:p>
             <a:fld id="{545DE63F-B6A1-4286-98E5-30D0A12D3C8D}" type="datetimeFigureOut">
               <a:rPr lang="nl-NL" smtClean="0"/>
-              <a:t>2-12-2024</a:t>
+              <a:t>03-12-2024</a:t>
             </a:fld>
             <a:endParaRPr lang="nl-NL"/>
           </a:p>
@@ -733,7 +733,7 @@
           <a:p>
             <a:fld id="{D108F25D-CB0B-4DCB-B2CB-040B5AFE7CE3}" type="slidenum">
               <a:rPr lang="nl-NL" smtClean="0"/>
-              <a:t>‹nr.›</a:t>
+              <a:t>‹#›</a:t>
             </a:fld>
             <a:endParaRPr lang="nl-NL"/>
           </a:p>
@@ -877,7 +877,7 @@
           <a:p>
             <a:fld id="{545DE63F-B6A1-4286-98E5-30D0A12D3C8D}" type="datetimeFigureOut">
               <a:rPr lang="nl-NL" smtClean="0"/>
-              <a:t>2-12-2024</a:t>
+              <a:t>03-12-2024</a:t>
             </a:fld>
             <a:endParaRPr lang="nl-NL"/>
           </a:p>
@@ -931,7 +931,7 @@
           <a:p>
             <a:fld id="{D108F25D-CB0B-4DCB-B2CB-040B5AFE7CE3}" type="slidenum">
               <a:rPr lang="nl-NL" smtClean="0"/>
-              <a:t>‹nr.›</a:t>
+              <a:t>‹#›</a:t>
             </a:fld>
             <a:endParaRPr lang="nl-NL"/>
           </a:p>
@@ -1152,7 +1152,7 @@
           <a:p>
             <a:fld id="{545DE63F-B6A1-4286-98E5-30D0A12D3C8D}" type="datetimeFigureOut">
               <a:rPr lang="nl-NL" smtClean="0"/>
-              <a:t>2-12-2024</a:t>
+              <a:t>03-12-2024</a:t>
             </a:fld>
             <a:endParaRPr lang="nl-NL"/>
           </a:p>
@@ -1206,7 +1206,7 @@
           <a:p>
             <a:fld id="{D108F25D-CB0B-4DCB-B2CB-040B5AFE7CE3}" type="slidenum">
               <a:rPr lang="nl-NL" smtClean="0"/>
-              <a:t>‹nr.›</a:t>
+              <a:t>‹#›</a:t>
             </a:fld>
             <a:endParaRPr lang="nl-NL"/>
           </a:p>
@@ -1417,7 +1417,7 @@
           <a:p>
             <a:fld id="{545DE63F-B6A1-4286-98E5-30D0A12D3C8D}" type="datetimeFigureOut">
               <a:rPr lang="nl-NL" smtClean="0"/>
-              <a:t>2-12-2024</a:t>
+              <a:t>03-12-2024</a:t>
             </a:fld>
             <a:endParaRPr lang="nl-NL"/>
           </a:p>
@@ -1471,7 +1471,7 @@
           <a:p>
             <a:fld id="{D108F25D-CB0B-4DCB-B2CB-040B5AFE7CE3}" type="slidenum">
               <a:rPr lang="nl-NL" smtClean="0"/>
-              <a:t>‹nr.›</a:t>
+              <a:t>‹#›</a:t>
             </a:fld>
             <a:endParaRPr lang="nl-NL"/>
           </a:p>
@@ -1829,7 +1829,7 @@
           <a:p>
             <a:fld id="{545DE63F-B6A1-4286-98E5-30D0A12D3C8D}" type="datetimeFigureOut">
               <a:rPr lang="nl-NL" smtClean="0"/>
-              <a:t>2-12-2024</a:t>
+              <a:t>03-12-2024</a:t>
             </a:fld>
             <a:endParaRPr lang="nl-NL"/>
           </a:p>
@@ -1883,7 +1883,7 @@
           <a:p>
             <a:fld id="{D108F25D-CB0B-4DCB-B2CB-040B5AFE7CE3}" type="slidenum">
               <a:rPr lang="nl-NL" smtClean="0"/>
-              <a:t>‹nr.›</a:t>
+              <a:t>‹#›</a:t>
             </a:fld>
             <a:endParaRPr lang="nl-NL"/>
           </a:p>
@@ -1970,7 +1970,7 @@
           <a:p>
             <a:fld id="{545DE63F-B6A1-4286-98E5-30D0A12D3C8D}" type="datetimeFigureOut">
               <a:rPr lang="nl-NL" smtClean="0"/>
-              <a:t>2-12-2024</a:t>
+              <a:t>03-12-2024</a:t>
             </a:fld>
             <a:endParaRPr lang="nl-NL"/>
           </a:p>
@@ -2024,7 +2024,7 @@
           <a:p>
             <a:fld id="{D108F25D-CB0B-4DCB-B2CB-040B5AFE7CE3}" type="slidenum">
               <a:rPr lang="nl-NL" smtClean="0"/>
-              <a:t>‹nr.›</a:t>
+              <a:t>‹#›</a:t>
             </a:fld>
             <a:endParaRPr lang="nl-NL"/>
           </a:p>
@@ -2083,7 +2083,7 @@
           <a:p>
             <a:fld id="{545DE63F-B6A1-4286-98E5-30D0A12D3C8D}" type="datetimeFigureOut">
               <a:rPr lang="nl-NL" smtClean="0"/>
-              <a:t>2-12-2024</a:t>
+              <a:t>03-12-2024</a:t>
             </a:fld>
             <a:endParaRPr lang="nl-NL"/>
           </a:p>
@@ -2137,7 +2137,7 @@
           <a:p>
             <a:fld id="{D108F25D-CB0B-4DCB-B2CB-040B5AFE7CE3}" type="slidenum">
               <a:rPr lang="nl-NL" smtClean="0"/>
-              <a:t>‹nr.›</a:t>
+              <a:t>‹#›</a:t>
             </a:fld>
             <a:endParaRPr lang="nl-NL"/>
           </a:p>
@@ -2394,7 +2394,7 @@
           <a:p>
             <a:fld id="{545DE63F-B6A1-4286-98E5-30D0A12D3C8D}" type="datetimeFigureOut">
               <a:rPr lang="nl-NL" smtClean="0"/>
-              <a:t>2-12-2024</a:t>
+              <a:t>03-12-2024</a:t>
             </a:fld>
             <a:endParaRPr lang="nl-NL"/>
           </a:p>
@@ -2448,7 +2448,7 @@
           <a:p>
             <a:fld id="{D108F25D-CB0B-4DCB-B2CB-040B5AFE7CE3}" type="slidenum">
               <a:rPr lang="nl-NL" smtClean="0"/>
-              <a:t>‹nr.›</a:t>
+              <a:t>‹#›</a:t>
             </a:fld>
             <a:endParaRPr lang="nl-NL"/>
           </a:p>
@@ -2682,7 +2682,7 @@
           <a:p>
             <a:fld id="{545DE63F-B6A1-4286-98E5-30D0A12D3C8D}" type="datetimeFigureOut">
               <a:rPr lang="nl-NL" smtClean="0"/>
-              <a:t>2-12-2024</a:t>
+              <a:t>03-12-2024</a:t>
             </a:fld>
             <a:endParaRPr lang="nl-NL"/>
           </a:p>
@@ -2736,7 +2736,7 @@
           <a:p>
             <a:fld id="{D108F25D-CB0B-4DCB-B2CB-040B5AFE7CE3}" type="slidenum">
               <a:rPr lang="nl-NL" smtClean="0"/>
-              <a:t>‹nr.›</a:t>
+              <a:t>‹#›</a:t>
             </a:fld>
             <a:endParaRPr lang="nl-NL"/>
           </a:p>
@@ -2923,7 +2923,7 @@
           <a:p>
             <a:fld id="{545DE63F-B6A1-4286-98E5-30D0A12D3C8D}" type="datetimeFigureOut">
               <a:rPr lang="nl-NL" smtClean="0"/>
-              <a:t>2-12-2024</a:t>
+              <a:t>03-12-2024</a:t>
             </a:fld>
             <a:endParaRPr lang="nl-NL"/>
           </a:p>
@@ -3013,7 +3013,7 @@
           <a:p>
             <a:fld id="{D108F25D-CB0B-4DCB-B2CB-040B5AFE7CE3}" type="slidenum">
               <a:rPr lang="nl-NL" smtClean="0"/>
-              <a:t>‹nr.›</a:t>
+              <a:t>‹#›</a:t>
             </a:fld>
             <a:endParaRPr lang="nl-NL"/>
           </a:p>
@@ -3911,6 +3911,30 @@
               <a:t> branch</a:t>
             </a:r>
           </a:p>
+          <a:p>
+            <a:pPr lvl="1"/>
+            <a:r>
+              <a:rPr lang="en-US" dirty="0" err="1"/>
+              <a:t>Gebruik</a:t>
+            </a:r>
+            <a:r>
+              <a:rPr lang="en-US" dirty="0"/>
+              <a:t> </a:t>
+            </a:r>
+            <a:r>
+              <a:rPr lang="en-US" dirty="0" err="1"/>
+              <a:t>als</a:t>
+            </a:r>
+            <a:r>
+              <a:rPr lang="en-US" dirty="0"/>
+              <a:t> branch naam je eigen </a:t>
+            </a:r>
+            <a:r>
+              <a:rPr lang="en-US" dirty="0" err="1"/>
+              <a:t>voornaam</a:t>
+            </a:r>
+            <a:endParaRPr lang="en-US" dirty="0"/>
+          </a:p>
         </p:txBody>
       </p:sp>
     </p:spTree>
@@ -3995,12 +4019,12 @@
         <p:spPr>
           <a:xfrm>
             <a:off x="838200" y="1825625"/>
-            <a:ext cx="10515600" cy="1456055"/>
+            <a:ext cx="10515600" cy="1735183"/>
           </a:xfrm>
         </p:spPr>
         <p:txBody>
           <a:bodyPr>
-            <a:normAutofit fontScale="85000" lnSpcReduction="20000"/>
+            <a:normAutofit fontScale="92500" lnSpcReduction="20000"/>
           </a:bodyPr>
           <a:lstStyle/>
           <a:p>
@@ -4058,19 +4082,13 @@
             </a:r>
             <a:r>
               <a:rPr lang="en-US" dirty="0"/>
-              <a:t> de Assets toe </a:t>
-            </a:r>
-            <a:r>
-              <a:rPr lang="en-US" dirty="0" err="1"/>
-              <a:t>en</a:t>
-            </a:r>
-            <a:r>
-              <a:rPr lang="en-US" dirty="0"/>
-              <a:t> </a:t>
-            </a:r>
-            <a:r>
-              <a:rPr lang="en-US" dirty="0" err="1"/>
-              <a:t>plaats</a:t>
+              <a:t> de Assets toe</a:t>
+            </a:r>
+          </a:p>
+          <a:p>
+            <a:r>
+              <a:rPr lang="en-US" dirty="0" err="1"/>
+              <a:t>Plaats</a:t>
             </a:r>
             <a:r>
               <a:rPr lang="en-US" dirty="0"/>
@@ -4147,7 +4165,7 @@
         </p:blipFill>
         <p:spPr>
           <a:xfrm>
-            <a:off x="1097688" y="3667759"/>
+            <a:off x="6358177" y="3560808"/>
             <a:ext cx="5408475" cy="2932067"/>
           </a:xfrm>
           <a:prstGeom prst="rect">
@@ -4264,6 +4282,29 @@
             </a:r>
           </a:p>
           <a:p>
+            <a:pPr lvl="1"/>
+            <a:r>
+              <a:rPr lang="en-US" dirty="0"/>
+              <a:t>Als naam van de scene </a:t>
+            </a:r>
+            <a:r>
+              <a:rPr lang="en-US" dirty="0" err="1"/>
+              <a:t>gebruik</a:t>
+            </a:r>
+            <a:r>
+              <a:rPr lang="en-US" dirty="0"/>
+              <a:t> je </a:t>
+            </a:r>
+            <a:r>
+              <a:rPr lang="en-US" dirty="0" err="1"/>
+              <a:t>jouw</a:t>
+            </a:r>
+            <a:r>
+              <a:rPr lang="en-US" dirty="0"/>
+              <a:t> eigen naam</a:t>
+            </a:r>
+          </a:p>
+          <a:p>
             <a:r>
               <a:rPr lang="en-US" dirty="0"/>
               <a:t>Update </a:t>
@@ -4278,6 +4319,9 @@
             </a:r>
           </a:p>
           <a:p>
+            <a:pPr marL="0" indent="0">
+              <a:buNone/>
+            </a:pPr>
             <a:endParaRPr lang="en-US" dirty="0"/>
           </a:p>
           <a:p>
@@ -4341,15 +4385,7 @@
           <a:p>
             <a:r>
               <a:rPr lang="en-US" dirty="0"/>
-              <a:t>Lead developer </a:t>
-            </a:r>
-            <a:r>
-              <a:rPr lang="en-US" dirty="0" err="1"/>
-              <a:t>en</a:t>
-            </a:r>
-            <a:r>
-              <a:rPr lang="en-US" dirty="0"/>
-              <a:t> alle </a:t>
+              <a:t>Alle </a:t>
             </a:r>
             <a:r>
               <a:rPr lang="en-US" dirty="0" err="1"/>
@@ -4382,21 +4418,29 @@
           <a:p>
             <a:r>
               <a:rPr lang="en-US" dirty="0"/>
-              <a:t>Pull alle branches op de computer van de lead developer</a:t>
-            </a:r>
-          </a:p>
-          <a:p>
-            <a:r>
-              <a:rPr lang="en-US" dirty="0"/>
-              <a:t>Merge alle branches </a:t>
-            </a:r>
-            <a:r>
-              <a:rPr lang="en-US" dirty="0" err="1"/>
-              <a:t>naar</a:t>
-            </a:r>
-            <a:r>
-              <a:rPr lang="en-US" dirty="0"/>
-              <a:t> de branch main</a:t>
+              <a:t>Fetch alle branches ( git fetch )</a:t>
+            </a:r>
+          </a:p>
+          <a:p>
+            <a:r>
+              <a:rPr lang="en-US" dirty="0"/>
+              <a:t>Checkout van </a:t>
+            </a:r>
+            <a:r>
+              <a:rPr lang="en-US" dirty="0" err="1"/>
+              <a:t>elke</a:t>
+            </a:r>
+            <a:r>
+              <a:rPr lang="en-US" dirty="0"/>
+              <a:t> </a:t>
+            </a:r>
+            <a:r>
+              <a:rPr lang="en-US" dirty="0" err="1"/>
+              <a:t>teamgenoot</a:t>
+            </a:r>
+            <a:r>
+              <a:rPr lang="en-US" dirty="0"/>
+              <a:t> de branch</a:t>
             </a:r>
           </a:p>
           <a:p>
@@ -4410,42 +4454,41 @@
             </a:r>
             <a:r>
               <a:rPr lang="en-US" dirty="0"/>
-              <a:t> screenshot van het </a:t>
-            </a:r>
-            <a:r>
-              <a:rPr lang="en-US" dirty="0" err="1"/>
-              <a:t>eindproduct</a:t>
-            </a:r>
-            <a:endParaRPr lang="en-US" dirty="0"/>
-          </a:p>
-          <a:p>
-            <a:r>
-              <a:rPr lang="en-US" dirty="0"/>
-              <a:t>Save het </a:t>
-            </a:r>
-            <a:r>
-              <a:rPr lang="en-US" dirty="0" err="1"/>
-              <a:t>eindproduct</a:t>
-            </a:r>
-            <a:r>
-              <a:rPr lang="en-US" dirty="0"/>
-              <a:t> </a:t>
-            </a:r>
-            <a:r>
-              <a:rPr lang="en-US" dirty="0" err="1"/>
-              <a:t>en</a:t>
-            </a:r>
-            <a:r>
-              <a:rPr lang="en-US" dirty="0"/>
-              <a:t> push het </a:t>
-            </a:r>
-            <a:r>
-              <a:rPr lang="en-US" dirty="0" err="1"/>
-              <a:t>naar</a:t>
-            </a:r>
-            <a:r>
-              <a:rPr lang="en-US" dirty="0"/>
-              <a:t> GitHub </a:t>
+              <a:t> screenshot van het project van de </a:t>
+            </a:r>
+            <a:r>
+              <a:rPr lang="en-US" dirty="0" err="1"/>
+              <a:t>huidige</a:t>
+            </a:r>
+            <a:r>
+              <a:rPr lang="en-US" dirty="0"/>
+              <a:t> branch</a:t>
+            </a:r>
+          </a:p>
+          <a:p>
+            <a:r>
+              <a:rPr lang="en-US" dirty="0"/>
+              <a:t>Lever de branch </a:t>
+            </a:r>
+            <a:r>
+              <a:rPr lang="en-US" dirty="0" err="1"/>
+              <a:t>én</a:t>
+            </a:r>
+            <a:r>
+              <a:rPr lang="en-US" dirty="0"/>
+              <a:t> de </a:t>
+            </a:r>
+            <a:r>
+              <a:rPr lang="en-US" dirty="0" err="1"/>
+              <a:t>schreenshots</a:t>
+            </a:r>
+            <a:r>
+              <a:rPr lang="en-US" dirty="0"/>
+              <a:t> in in </a:t>
+            </a:r>
+            <a:r>
+              <a:rPr lang="en-US"/>
+              <a:t>Simulise</a:t>
             </a:r>
             <a:endParaRPr lang="nl-NL" dirty="0"/>
           </a:p>

--- a/M2/Skill/3-Git and Unity/3-Git en Unity.pptx
+++ b/M2/Skill/3-Git and Unity/3-Git en Unity.pptx
@@ -4487,7 +4487,7 @@
               <a:t> in in </a:t>
             </a:r>
             <a:r>
-              <a:rPr lang="en-US"/>
+              <a:rPr lang="en-US" dirty="0" err="1"/>
               <a:t>Simulise</a:t>
             </a:r>
             <a:endParaRPr lang="nl-NL" dirty="0"/>
